--- a/ppt 16-9/1170.我必识主.pptx
+++ b/ppt 16-9/1170.我必识主.pptx
@@ -5,7 +5,7 @@
     <p:sldMasterId id="2147483648" r:id="rId1"/>
   </p:sldMasterIdLst>
   <p:sldIdLst>
-    <p:sldId id="678" r:id="rId2"/>
+    <p:sldId id="680" r:id="rId2"/>
   </p:sldIdLst>
   <p:sldSz cx="12192000" cy="6858000"/>
   <p:notesSz cx="6858000" cy="9144000"/>
@@ -129,7 +129,7 @@
           <p:cNvPr id="2" name="标题 1">
             <a:extLst>
               <a:ext uri="{FF2B5EF4-FFF2-40B4-BE49-F238E27FC236}">
-                <a16:creationId xmlns:a16="http://schemas.microsoft.com/office/drawing/2014/main" id="{729F7B7D-A9EF-E2F9-19EC-787595DF0E0E}"/>
+                <a16:creationId xmlns:a16="http://schemas.microsoft.com/office/drawing/2014/main" id="{9B268B9E-1E26-C177-0AFB-A22E7038E21C}"/>
               </a:ext>
             </a:extLst>
           </p:cNvPr>
@@ -166,7 +166,7 @@
           <p:cNvPr id="3" name="副标题 2">
             <a:extLst>
               <a:ext uri="{FF2B5EF4-FFF2-40B4-BE49-F238E27FC236}">
-                <a16:creationId xmlns:a16="http://schemas.microsoft.com/office/drawing/2014/main" id="{9CD4996E-6DA4-6060-404C-DDA7C90E4038}"/>
+                <a16:creationId xmlns:a16="http://schemas.microsoft.com/office/drawing/2014/main" id="{D9DDEAEF-FE5A-0BEB-9616-73A77E8D2E69}"/>
               </a:ext>
             </a:extLst>
           </p:cNvPr>
@@ -236,7 +236,7 @@
           <p:cNvPr id="4" name="日期占位符 3">
             <a:extLst>
               <a:ext uri="{FF2B5EF4-FFF2-40B4-BE49-F238E27FC236}">
-                <a16:creationId xmlns:a16="http://schemas.microsoft.com/office/drawing/2014/main" id="{0BB54D1E-FC26-398E-D19A-B5A43D15D421}"/>
+                <a16:creationId xmlns:a16="http://schemas.microsoft.com/office/drawing/2014/main" id="{A4BE90B4-2608-1CDF-7B5E-97B1A1E60E7A}"/>
               </a:ext>
             </a:extLst>
           </p:cNvPr>
@@ -252,7 +252,7 @@
           <a:bodyPr/>
           <a:lstStyle/>
           <a:p>
-            <a:fld id="{5092C147-B01D-4D48-ABF9-B3F569850C14}" type="datetimeFigureOut">
+            <a:fld id="{CF9635BD-429D-4076-B2B8-91E08D7C828E}" type="datetimeFigureOut">
               <a:rPr lang="zh-CN" altLang="en-US" smtClean="0"/>
               <a:t>2024/3/10</a:t>
             </a:fld>
@@ -265,7 +265,7 @@
           <p:cNvPr id="5" name="页脚占位符 4">
             <a:extLst>
               <a:ext uri="{FF2B5EF4-FFF2-40B4-BE49-F238E27FC236}">
-                <a16:creationId xmlns:a16="http://schemas.microsoft.com/office/drawing/2014/main" id="{30C49BFF-F237-1DC1-5A64-0B4DFDC00C4C}"/>
+                <a16:creationId xmlns:a16="http://schemas.microsoft.com/office/drawing/2014/main" id="{3A056931-108E-5F1D-21B1-DF95FAAF9B4A}"/>
               </a:ext>
             </a:extLst>
           </p:cNvPr>
@@ -290,7 +290,7 @@
           <p:cNvPr id="6" name="灯片编号占位符 5">
             <a:extLst>
               <a:ext uri="{FF2B5EF4-FFF2-40B4-BE49-F238E27FC236}">
-                <a16:creationId xmlns:a16="http://schemas.microsoft.com/office/drawing/2014/main" id="{CD32F4D1-AA0F-C39B-8CAA-652B50A893F0}"/>
+                <a16:creationId xmlns:a16="http://schemas.microsoft.com/office/drawing/2014/main" id="{557ED4C6-C94C-1A54-DEA9-74190D624F6E}"/>
               </a:ext>
             </a:extLst>
           </p:cNvPr>
@@ -306,7 +306,7 @@
           <a:bodyPr/>
           <a:lstStyle/>
           <a:p>
-            <a:fld id="{977E8EB7-4CA3-4940-A39C-EAF12CAF1422}" type="slidenum">
+            <a:fld id="{D2B6E5C0-A590-499F-AD29-6FCBC0003BD4}" type="slidenum">
               <a:rPr lang="zh-CN" altLang="en-US" smtClean="0"/>
               <a:t>‹#›</a:t>
             </a:fld>
@@ -317,7 +317,7 @@
     </p:spTree>
     <p:extLst>
       <p:ext uri="{BB962C8B-B14F-4D97-AF65-F5344CB8AC3E}">
-        <p14:creationId xmlns:p14="http://schemas.microsoft.com/office/powerpoint/2010/main" val="2611975576"/>
+        <p14:creationId xmlns:p14="http://schemas.microsoft.com/office/powerpoint/2010/main" val="333712783"/>
       </p:ext>
     </p:extLst>
   </p:cSld>
@@ -349,7 +349,7 @@
           <p:cNvPr id="2" name="标题 1">
             <a:extLst>
               <a:ext uri="{FF2B5EF4-FFF2-40B4-BE49-F238E27FC236}">
-                <a16:creationId xmlns:a16="http://schemas.microsoft.com/office/drawing/2014/main" id="{C978C244-11AE-96CA-528D-C0D9E5E56D3E}"/>
+                <a16:creationId xmlns:a16="http://schemas.microsoft.com/office/drawing/2014/main" id="{F4E37068-0A9B-0DBC-C0AE-BAC28BE9D803}"/>
               </a:ext>
             </a:extLst>
           </p:cNvPr>
@@ -377,7 +377,7 @@
           <p:cNvPr id="3" name="竖排文字占位符 2">
             <a:extLst>
               <a:ext uri="{FF2B5EF4-FFF2-40B4-BE49-F238E27FC236}">
-                <a16:creationId xmlns:a16="http://schemas.microsoft.com/office/drawing/2014/main" id="{DEEA2C61-0FC5-6FD6-9238-96F9F12CEAE4}"/>
+                <a16:creationId xmlns:a16="http://schemas.microsoft.com/office/drawing/2014/main" id="{C40A80C9-513B-B1E1-5FE1-4A46BC23D7EC}"/>
               </a:ext>
             </a:extLst>
           </p:cNvPr>
@@ -434,7 +434,7 @@
           <p:cNvPr id="4" name="日期占位符 3">
             <a:extLst>
               <a:ext uri="{FF2B5EF4-FFF2-40B4-BE49-F238E27FC236}">
-                <a16:creationId xmlns:a16="http://schemas.microsoft.com/office/drawing/2014/main" id="{DB5AE9D0-8293-C1CE-6A60-9178687CAB1F}"/>
+                <a16:creationId xmlns:a16="http://schemas.microsoft.com/office/drawing/2014/main" id="{9DF1A512-DB7A-A324-E8CF-42762A7362B6}"/>
               </a:ext>
             </a:extLst>
           </p:cNvPr>
@@ -450,7 +450,7 @@
           <a:bodyPr/>
           <a:lstStyle/>
           <a:p>
-            <a:fld id="{5092C147-B01D-4D48-ABF9-B3F569850C14}" type="datetimeFigureOut">
+            <a:fld id="{CF9635BD-429D-4076-B2B8-91E08D7C828E}" type="datetimeFigureOut">
               <a:rPr lang="zh-CN" altLang="en-US" smtClean="0"/>
               <a:t>2024/3/10</a:t>
             </a:fld>
@@ -463,7 +463,7 @@
           <p:cNvPr id="5" name="页脚占位符 4">
             <a:extLst>
               <a:ext uri="{FF2B5EF4-FFF2-40B4-BE49-F238E27FC236}">
-                <a16:creationId xmlns:a16="http://schemas.microsoft.com/office/drawing/2014/main" id="{AAC8E977-BF8D-F0A7-BC09-0EBEA4DB9593}"/>
+                <a16:creationId xmlns:a16="http://schemas.microsoft.com/office/drawing/2014/main" id="{F841E38A-A060-D546-6A67-99309D7CE801}"/>
               </a:ext>
             </a:extLst>
           </p:cNvPr>
@@ -488,7 +488,7 @@
           <p:cNvPr id="6" name="灯片编号占位符 5">
             <a:extLst>
               <a:ext uri="{FF2B5EF4-FFF2-40B4-BE49-F238E27FC236}">
-                <a16:creationId xmlns:a16="http://schemas.microsoft.com/office/drawing/2014/main" id="{13F75AA0-7931-1ADF-C97F-1BD95661F15F}"/>
+                <a16:creationId xmlns:a16="http://schemas.microsoft.com/office/drawing/2014/main" id="{36000231-E1B1-80C8-2965-61FA139AB84F}"/>
               </a:ext>
             </a:extLst>
           </p:cNvPr>
@@ -504,7 +504,7 @@
           <a:bodyPr/>
           <a:lstStyle/>
           <a:p>
-            <a:fld id="{977E8EB7-4CA3-4940-A39C-EAF12CAF1422}" type="slidenum">
+            <a:fld id="{D2B6E5C0-A590-499F-AD29-6FCBC0003BD4}" type="slidenum">
               <a:rPr lang="zh-CN" altLang="en-US" smtClean="0"/>
               <a:t>‹#›</a:t>
             </a:fld>
@@ -515,7 +515,7 @@
     </p:spTree>
     <p:extLst>
       <p:ext uri="{BB962C8B-B14F-4D97-AF65-F5344CB8AC3E}">
-        <p14:creationId xmlns:p14="http://schemas.microsoft.com/office/powerpoint/2010/main" val="597659209"/>
+        <p14:creationId xmlns:p14="http://schemas.microsoft.com/office/powerpoint/2010/main" val="2471899326"/>
       </p:ext>
     </p:extLst>
   </p:cSld>
@@ -547,7 +547,7 @@
           <p:cNvPr id="2" name="竖排标题 1">
             <a:extLst>
               <a:ext uri="{FF2B5EF4-FFF2-40B4-BE49-F238E27FC236}">
-                <a16:creationId xmlns:a16="http://schemas.microsoft.com/office/drawing/2014/main" id="{8B7FF72F-BF03-A1F2-9A5F-EEDD9947FA91}"/>
+                <a16:creationId xmlns:a16="http://schemas.microsoft.com/office/drawing/2014/main" id="{12C961E2-7D5A-A130-C5BF-3D38ECA0282D}"/>
               </a:ext>
             </a:extLst>
           </p:cNvPr>
@@ -580,7 +580,7 @@
           <p:cNvPr id="3" name="竖排文字占位符 2">
             <a:extLst>
               <a:ext uri="{FF2B5EF4-FFF2-40B4-BE49-F238E27FC236}">
-                <a16:creationId xmlns:a16="http://schemas.microsoft.com/office/drawing/2014/main" id="{A25E625E-E0C9-246B-C3CF-A754D1E5A118}"/>
+                <a16:creationId xmlns:a16="http://schemas.microsoft.com/office/drawing/2014/main" id="{567ED1FC-EB8B-B0F1-EA9E-FFD67D0012E9}"/>
               </a:ext>
             </a:extLst>
           </p:cNvPr>
@@ -642,7 +642,7 @@
           <p:cNvPr id="4" name="日期占位符 3">
             <a:extLst>
               <a:ext uri="{FF2B5EF4-FFF2-40B4-BE49-F238E27FC236}">
-                <a16:creationId xmlns:a16="http://schemas.microsoft.com/office/drawing/2014/main" id="{212632CC-5BDC-9A0B-75A4-34A980E554CE}"/>
+                <a16:creationId xmlns:a16="http://schemas.microsoft.com/office/drawing/2014/main" id="{965B70E9-4B9A-F89B-3D8F-D9BEF5C4EA8B}"/>
               </a:ext>
             </a:extLst>
           </p:cNvPr>
@@ -658,7 +658,7 @@
           <a:bodyPr/>
           <a:lstStyle/>
           <a:p>
-            <a:fld id="{5092C147-B01D-4D48-ABF9-B3F569850C14}" type="datetimeFigureOut">
+            <a:fld id="{CF9635BD-429D-4076-B2B8-91E08D7C828E}" type="datetimeFigureOut">
               <a:rPr lang="zh-CN" altLang="en-US" smtClean="0"/>
               <a:t>2024/3/10</a:t>
             </a:fld>
@@ -671,7 +671,7 @@
           <p:cNvPr id="5" name="页脚占位符 4">
             <a:extLst>
               <a:ext uri="{FF2B5EF4-FFF2-40B4-BE49-F238E27FC236}">
-                <a16:creationId xmlns:a16="http://schemas.microsoft.com/office/drawing/2014/main" id="{08E1F5C0-141C-826E-18E8-6B54F2821E60}"/>
+                <a16:creationId xmlns:a16="http://schemas.microsoft.com/office/drawing/2014/main" id="{5C8BA153-090D-0445-1345-2BBDB071DA98}"/>
               </a:ext>
             </a:extLst>
           </p:cNvPr>
@@ -696,7 +696,7 @@
           <p:cNvPr id="6" name="灯片编号占位符 5">
             <a:extLst>
               <a:ext uri="{FF2B5EF4-FFF2-40B4-BE49-F238E27FC236}">
-                <a16:creationId xmlns:a16="http://schemas.microsoft.com/office/drawing/2014/main" id="{BC0A660D-8FE7-3065-612E-856E35F8CB94}"/>
+                <a16:creationId xmlns:a16="http://schemas.microsoft.com/office/drawing/2014/main" id="{0DA6BFE4-D091-E582-8A38-E4558EB4722D}"/>
               </a:ext>
             </a:extLst>
           </p:cNvPr>
@@ -712,7 +712,7 @@
           <a:bodyPr/>
           <a:lstStyle/>
           <a:p>
-            <a:fld id="{977E8EB7-4CA3-4940-A39C-EAF12CAF1422}" type="slidenum">
+            <a:fld id="{D2B6E5C0-A590-499F-AD29-6FCBC0003BD4}" type="slidenum">
               <a:rPr lang="zh-CN" altLang="en-US" smtClean="0"/>
               <a:t>‹#›</a:t>
             </a:fld>
@@ -723,7 +723,7 @@
     </p:spTree>
     <p:extLst>
       <p:ext uri="{BB962C8B-B14F-4D97-AF65-F5344CB8AC3E}">
-        <p14:creationId xmlns:p14="http://schemas.microsoft.com/office/powerpoint/2010/main" val="414448578"/>
+        <p14:creationId xmlns:p14="http://schemas.microsoft.com/office/powerpoint/2010/main" val="278720267"/>
       </p:ext>
     </p:extLst>
   </p:cSld>
@@ -755,7 +755,7 @@
           <p:cNvPr id="2" name="标题 1">
             <a:extLst>
               <a:ext uri="{FF2B5EF4-FFF2-40B4-BE49-F238E27FC236}">
-                <a16:creationId xmlns:a16="http://schemas.microsoft.com/office/drawing/2014/main" id="{DBAA261D-315D-1B85-D4EB-03C7CB9645DA}"/>
+                <a16:creationId xmlns:a16="http://schemas.microsoft.com/office/drawing/2014/main" id="{FDFB8E1E-45E3-3185-6FEF-52107E19D464}"/>
               </a:ext>
             </a:extLst>
           </p:cNvPr>
@@ -783,7 +783,7 @@
           <p:cNvPr id="3" name="内容占位符 2">
             <a:extLst>
               <a:ext uri="{FF2B5EF4-FFF2-40B4-BE49-F238E27FC236}">
-                <a16:creationId xmlns:a16="http://schemas.microsoft.com/office/drawing/2014/main" id="{33BED7AB-F68D-CACE-73F0-4B67A4F42054}"/>
+                <a16:creationId xmlns:a16="http://schemas.microsoft.com/office/drawing/2014/main" id="{4A345347-C977-F6B0-DDFF-3CA6604C2624}"/>
               </a:ext>
             </a:extLst>
           </p:cNvPr>
@@ -840,7 +840,7 @@
           <p:cNvPr id="4" name="日期占位符 3">
             <a:extLst>
               <a:ext uri="{FF2B5EF4-FFF2-40B4-BE49-F238E27FC236}">
-                <a16:creationId xmlns:a16="http://schemas.microsoft.com/office/drawing/2014/main" id="{D563B358-3536-F8FA-DAE9-A10630C2661F}"/>
+                <a16:creationId xmlns:a16="http://schemas.microsoft.com/office/drawing/2014/main" id="{E6A2C34B-DB48-7A30-B67A-F74D48AEBE57}"/>
               </a:ext>
             </a:extLst>
           </p:cNvPr>
@@ -856,7 +856,7 @@
           <a:bodyPr/>
           <a:lstStyle/>
           <a:p>
-            <a:fld id="{5092C147-B01D-4D48-ABF9-B3F569850C14}" type="datetimeFigureOut">
+            <a:fld id="{CF9635BD-429D-4076-B2B8-91E08D7C828E}" type="datetimeFigureOut">
               <a:rPr lang="zh-CN" altLang="en-US" smtClean="0"/>
               <a:t>2024/3/10</a:t>
             </a:fld>
@@ -869,7 +869,7 @@
           <p:cNvPr id="5" name="页脚占位符 4">
             <a:extLst>
               <a:ext uri="{FF2B5EF4-FFF2-40B4-BE49-F238E27FC236}">
-                <a16:creationId xmlns:a16="http://schemas.microsoft.com/office/drawing/2014/main" id="{A97E55E5-F024-C15C-C78E-93DB331DA3FC}"/>
+                <a16:creationId xmlns:a16="http://schemas.microsoft.com/office/drawing/2014/main" id="{FCB4D6A3-8963-7390-1640-899DF0ACA366}"/>
               </a:ext>
             </a:extLst>
           </p:cNvPr>
@@ -894,7 +894,7 @@
           <p:cNvPr id="6" name="灯片编号占位符 5">
             <a:extLst>
               <a:ext uri="{FF2B5EF4-FFF2-40B4-BE49-F238E27FC236}">
-                <a16:creationId xmlns:a16="http://schemas.microsoft.com/office/drawing/2014/main" id="{55F12AAB-46B8-B36D-889D-8A744F0B4178}"/>
+                <a16:creationId xmlns:a16="http://schemas.microsoft.com/office/drawing/2014/main" id="{067E0923-1AEA-47F8-00BF-9E5163709F58}"/>
               </a:ext>
             </a:extLst>
           </p:cNvPr>
@@ -910,7 +910,7 @@
           <a:bodyPr/>
           <a:lstStyle/>
           <a:p>
-            <a:fld id="{977E8EB7-4CA3-4940-A39C-EAF12CAF1422}" type="slidenum">
+            <a:fld id="{D2B6E5C0-A590-499F-AD29-6FCBC0003BD4}" type="slidenum">
               <a:rPr lang="zh-CN" altLang="en-US" smtClean="0"/>
               <a:t>‹#›</a:t>
             </a:fld>
@@ -921,7 +921,7 @@
     </p:spTree>
     <p:extLst>
       <p:ext uri="{BB962C8B-B14F-4D97-AF65-F5344CB8AC3E}">
-        <p14:creationId xmlns:p14="http://schemas.microsoft.com/office/powerpoint/2010/main" val="1107607265"/>
+        <p14:creationId xmlns:p14="http://schemas.microsoft.com/office/powerpoint/2010/main" val="2253385723"/>
       </p:ext>
     </p:extLst>
   </p:cSld>
@@ -953,7 +953,7 @@
           <p:cNvPr id="2" name="标题 1">
             <a:extLst>
               <a:ext uri="{FF2B5EF4-FFF2-40B4-BE49-F238E27FC236}">
-                <a16:creationId xmlns:a16="http://schemas.microsoft.com/office/drawing/2014/main" id="{2D0F552C-3CF6-34BF-C356-A132BBCDB3FD}"/>
+                <a16:creationId xmlns:a16="http://schemas.microsoft.com/office/drawing/2014/main" id="{CFC38A0A-A7D3-30A6-115F-29A9A978E20D}"/>
               </a:ext>
             </a:extLst>
           </p:cNvPr>
@@ -990,7 +990,7 @@
           <p:cNvPr id="3" name="文本占位符 2">
             <a:extLst>
               <a:ext uri="{FF2B5EF4-FFF2-40B4-BE49-F238E27FC236}">
-                <a16:creationId xmlns:a16="http://schemas.microsoft.com/office/drawing/2014/main" id="{DBE90957-078C-879C-846D-7A3163D42CF3}"/>
+                <a16:creationId xmlns:a16="http://schemas.microsoft.com/office/drawing/2014/main" id="{938B58C0-3A05-8D66-C727-37A5B51EEE53}"/>
               </a:ext>
             </a:extLst>
           </p:cNvPr>
@@ -1115,7 +1115,7 @@
           <p:cNvPr id="4" name="日期占位符 3">
             <a:extLst>
               <a:ext uri="{FF2B5EF4-FFF2-40B4-BE49-F238E27FC236}">
-                <a16:creationId xmlns:a16="http://schemas.microsoft.com/office/drawing/2014/main" id="{E9931ACC-AD34-4826-B383-F15E2C60BCCB}"/>
+                <a16:creationId xmlns:a16="http://schemas.microsoft.com/office/drawing/2014/main" id="{3C59D4D0-8DD3-0715-5533-F234B7CC173C}"/>
               </a:ext>
             </a:extLst>
           </p:cNvPr>
@@ -1131,7 +1131,7 @@
           <a:bodyPr/>
           <a:lstStyle/>
           <a:p>
-            <a:fld id="{5092C147-B01D-4D48-ABF9-B3F569850C14}" type="datetimeFigureOut">
+            <a:fld id="{CF9635BD-429D-4076-B2B8-91E08D7C828E}" type="datetimeFigureOut">
               <a:rPr lang="zh-CN" altLang="en-US" smtClean="0"/>
               <a:t>2024/3/10</a:t>
             </a:fld>
@@ -1144,7 +1144,7 @@
           <p:cNvPr id="5" name="页脚占位符 4">
             <a:extLst>
               <a:ext uri="{FF2B5EF4-FFF2-40B4-BE49-F238E27FC236}">
-                <a16:creationId xmlns:a16="http://schemas.microsoft.com/office/drawing/2014/main" id="{002BD7C9-A12C-3564-0C71-1339EB4CFEAA}"/>
+                <a16:creationId xmlns:a16="http://schemas.microsoft.com/office/drawing/2014/main" id="{0406607B-A82C-9BB9-660B-1825B3C9C5A7}"/>
               </a:ext>
             </a:extLst>
           </p:cNvPr>
@@ -1169,7 +1169,7 @@
           <p:cNvPr id="6" name="灯片编号占位符 5">
             <a:extLst>
               <a:ext uri="{FF2B5EF4-FFF2-40B4-BE49-F238E27FC236}">
-                <a16:creationId xmlns:a16="http://schemas.microsoft.com/office/drawing/2014/main" id="{4FC36A8E-3C3E-F4F3-1A0E-88C55292B4A1}"/>
+                <a16:creationId xmlns:a16="http://schemas.microsoft.com/office/drawing/2014/main" id="{EAFC3583-9EF6-C0D0-1D4C-C63F6EA6B058}"/>
               </a:ext>
             </a:extLst>
           </p:cNvPr>
@@ -1185,7 +1185,7 @@
           <a:bodyPr/>
           <a:lstStyle/>
           <a:p>
-            <a:fld id="{977E8EB7-4CA3-4940-A39C-EAF12CAF1422}" type="slidenum">
+            <a:fld id="{D2B6E5C0-A590-499F-AD29-6FCBC0003BD4}" type="slidenum">
               <a:rPr lang="zh-CN" altLang="en-US" smtClean="0"/>
               <a:t>‹#›</a:t>
             </a:fld>
@@ -1196,7 +1196,7 @@
     </p:spTree>
     <p:extLst>
       <p:ext uri="{BB962C8B-B14F-4D97-AF65-F5344CB8AC3E}">
-        <p14:creationId xmlns:p14="http://schemas.microsoft.com/office/powerpoint/2010/main" val="2609109939"/>
+        <p14:creationId xmlns:p14="http://schemas.microsoft.com/office/powerpoint/2010/main" val="4293436868"/>
       </p:ext>
     </p:extLst>
   </p:cSld>
@@ -1228,7 +1228,7 @@
           <p:cNvPr id="2" name="标题 1">
             <a:extLst>
               <a:ext uri="{FF2B5EF4-FFF2-40B4-BE49-F238E27FC236}">
-                <a16:creationId xmlns:a16="http://schemas.microsoft.com/office/drawing/2014/main" id="{23603D37-4DD3-159D-70BA-E78F32C4A7C3}"/>
+                <a16:creationId xmlns:a16="http://schemas.microsoft.com/office/drawing/2014/main" id="{06214447-86EF-33EE-5BD9-865FED4FCD1E}"/>
               </a:ext>
             </a:extLst>
           </p:cNvPr>
@@ -1256,7 +1256,7 @@
           <p:cNvPr id="3" name="内容占位符 2">
             <a:extLst>
               <a:ext uri="{FF2B5EF4-FFF2-40B4-BE49-F238E27FC236}">
-                <a16:creationId xmlns:a16="http://schemas.microsoft.com/office/drawing/2014/main" id="{C250A67C-22EB-EFCA-9628-61A4B01467A9}"/>
+                <a16:creationId xmlns:a16="http://schemas.microsoft.com/office/drawing/2014/main" id="{0EE12D01-86E9-70E0-5C68-FFC2B645E1E8}"/>
               </a:ext>
             </a:extLst>
           </p:cNvPr>
@@ -1318,7 +1318,7 @@
           <p:cNvPr id="4" name="内容占位符 3">
             <a:extLst>
               <a:ext uri="{FF2B5EF4-FFF2-40B4-BE49-F238E27FC236}">
-                <a16:creationId xmlns:a16="http://schemas.microsoft.com/office/drawing/2014/main" id="{47CE90AD-1C0A-D614-929E-16ACD342D813}"/>
+                <a16:creationId xmlns:a16="http://schemas.microsoft.com/office/drawing/2014/main" id="{886FDBAC-80FA-7FD4-9ED7-DBA7F2022DB1}"/>
               </a:ext>
             </a:extLst>
           </p:cNvPr>
@@ -1380,7 +1380,7 @@
           <p:cNvPr id="5" name="日期占位符 4">
             <a:extLst>
               <a:ext uri="{FF2B5EF4-FFF2-40B4-BE49-F238E27FC236}">
-                <a16:creationId xmlns:a16="http://schemas.microsoft.com/office/drawing/2014/main" id="{10507033-F097-D32A-88F1-DD6016916136}"/>
+                <a16:creationId xmlns:a16="http://schemas.microsoft.com/office/drawing/2014/main" id="{AEA83618-BD68-2966-F442-CD30210844C1}"/>
               </a:ext>
             </a:extLst>
           </p:cNvPr>
@@ -1396,7 +1396,7 @@
           <a:bodyPr/>
           <a:lstStyle/>
           <a:p>
-            <a:fld id="{5092C147-B01D-4D48-ABF9-B3F569850C14}" type="datetimeFigureOut">
+            <a:fld id="{CF9635BD-429D-4076-B2B8-91E08D7C828E}" type="datetimeFigureOut">
               <a:rPr lang="zh-CN" altLang="en-US" smtClean="0"/>
               <a:t>2024/3/10</a:t>
             </a:fld>
@@ -1409,7 +1409,7 @@
           <p:cNvPr id="6" name="页脚占位符 5">
             <a:extLst>
               <a:ext uri="{FF2B5EF4-FFF2-40B4-BE49-F238E27FC236}">
-                <a16:creationId xmlns:a16="http://schemas.microsoft.com/office/drawing/2014/main" id="{CAF516A6-E59C-88C8-F2A6-541156CB76A0}"/>
+                <a16:creationId xmlns:a16="http://schemas.microsoft.com/office/drawing/2014/main" id="{D35D0998-A91A-4A0D-A991-5C7FBDC21DEC}"/>
               </a:ext>
             </a:extLst>
           </p:cNvPr>
@@ -1434,7 +1434,7 @@
           <p:cNvPr id="7" name="灯片编号占位符 6">
             <a:extLst>
               <a:ext uri="{FF2B5EF4-FFF2-40B4-BE49-F238E27FC236}">
-                <a16:creationId xmlns:a16="http://schemas.microsoft.com/office/drawing/2014/main" id="{AB937EB6-DEE6-F96D-C138-EF63F62D0B98}"/>
+                <a16:creationId xmlns:a16="http://schemas.microsoft.com/office/drawing/2014/main" id="{E7C1DD1F-39F9-7C8B-14D2-E3B9FB2E1972}"/>
               </a:ext>
             </a:extLst>
           </p:cNvPr>
@@ -1450,7 +1450,7 @@
           <a:bodyPr/>
           <a:lstStyle/>
           <a:p>
-            <a:fld id="{977E8EB7-4CA3-4940-A39C-EAF12CAF1422}" type="slidenum">
+            <a:fld id="{D2B6E5C0-A590-499F-AD29-6FCBC0003BD4}" type="slidenum">
               <a:rPr lang="zh-CN" altLang="en-US" smtClean="0"/>
               <a:t>‹#›</a:t>
             </a:fld>
@@ -1461,7 +1461,7 @@
     </p:spTree>
     <p:extLst>
       <p:ext uri="{BB962C8B-B14F-4D97-AF65-F5344CB8AC3E}">
-        <p14:creationId xmlns:p14="http://schemas.microsoft.com/office/powerpoint/2010/main" val="3206577939"/>
+        <p14:creationId xmlns:p14="http://schemas.microsoft.com/office/powerpoint/2010/main" val="3947580816"/>
       </p:ext>
     </p:extLst>
   </p:cSld>
@@ -1493,7 +1493,7 @@
           <p:cNvPr id="2" name="标题 1">
             <a:extLst>
               <a:ext uri="{FF2B5EF4-FFF2-40B4-BE49-F238E27FC236}">
-                <a16:creationId xmlns:a16="http://schemas.microsoft.com/office/drawing/2014/main" id="{9FBCDC8B-3607-2A54-93E3-731CA63B1C7D}"/>
+                <a16:creationId xmlns:a16="http://schemas.microsoft.com/office/drawing/2014/main" id="{CCB0FFB2-E290-0793-338E-81E422B913E4}"/>
               </a:ext>
             </a:extLst>
           </p:cNvPr>
@@ -1526,7 +1526,7 @@
           <p:cNvPr id="3" name="文本占位符 2">
             <a:extLst>
               <a:ext uri="{FF2B5EF4-FFF2-40B4-BE49-F238E27FC236}">
-                <a16:creationId xmlns:a16="http://schemas.microsoft.com/office/drawing/2014/main" id="{FF6DCFA0-04E1-9931-FA46-4627C7B30E00}"/>
+                <a16:creationId xmlns:a16="http://schemas.microsoft.com/office/drawing/2014/main" id="{0512BE2A-C713-D84F-4254-60F21A5171C8}"/>
               </a:ext>
             </a:extLst>
           </p:cNvPr>
@@ -1597,7 +1597,7 @@
           <p:cNvPr id="4" name="内容占位符 3">
             <a:extLst>
               <a:ext uri="{FF2B5EF4-FFF2-40B4-BE49-F238E27FC236}">
-                <a16:creationId xmlns:a16="http://schemas.microsoft.com/office/drawing/2014/main" id="{36EDE1F3-F774-B96E-509F-F0FC4A2D6CDF}"/>
+                <a16:creationId xmlns:a16="http://schemas.microsoft.com/office/drawing/2014/main" id="{C304D712-8994-B441-B742-6863BB53E8B2}"/>
               </a:ext>
             </a:extLst>
           </p:cNvPr>
@@ -1659,7 +1659,7 @@
           <p:cNvPr id="5" name="文本占位符 4">
             <a:extLst>
               <a:ext uri="{FF2B5EF4-FFF2-40B4-BE49-F238E27FC236}">
-                <a16:creationId xmlns:a16="http://schemas.microsoft.com/office/drawing/2014/main" id="{06506983-BEF1-5313-1B89-C61631B0DC25}"/>
+                <a16:creationId xmlns:a16="http://schemas.microsoft.com/office/drawing/2014/main" id="{2EC7B973-DDAB-B73A-5A02-9108046036F6}"/>
               </a:ext>
             </a:extLst>
           </p:cNvPr>
@@ -1730,7 +1730,7 @@
           <p:cNvPr id="6" name="内容占位符 5">
             <a:extLst>
               <a:ext uri="{FF2B5EF4-FFF2-40B4-BE49-F238E27FC236}">
-                <a16:creationId xmlns:a16="http://schemas.microsoft.com/office/drawing/2014/main" id="{F11F2ABC-6880-264F-408F-3D4EB3B7BAB3}"/>
+                <a16:creationId xmlns:a16="http://schemas.microsoft.com/office/drawing/2014/main" id="{FACEC076-562A-4612-0EBD-2FAC7E0BA19D}"/>
               </a:ext>
             </a:extLst>
           </p:cNvPr>
@@ -1792,7 +1792,7 @@
           <p:cNvPr id="7" name="日期占位符 6">
             <a:extLst>
               <a:ext uri="{FF2B5EF4-FFF2-40B4-BE49-F238E27FC236}">
-                <a16:creationId xmlns:a16="http://schemas.microsoft.com/office/drawing/2014/main" id="{BC61DCDD-1B93-4FAB-66A0-F7BB0D7C8255}"/>
+                <a16:creationId xmlns:a16="http://schemas.microsoft.com/office/drawing/2014/main" id="{B7EE1A7C-E3C0-E1CB-1DE5-EBA93C750337}"/>
               </a:ext>
             </a:extLst>
           </p:cNvPr>
@@ -1808,7 +1808,7 @@
           <a:bodyPr/>
           <a:lstStyle/>
           <a:p>
-            <a:fld id="{5092C147-B01D-4D48-ABF9-B3F569850C14}" type="datetimeFigureOut">
+            <a:fld id="{CF9635BD-429D-4076-B2B8-91E08D7C828E}" type="datetimeFigureOut">
               <a:rPr lang="zh-CN" altLang="en-US" smtClean="0"/>
               <a:t>2024/3/10</a:t>
             </a:fld>
@@ -1821,7 +1821,7 @@
           <p:cNvPr id="8" name="页脚占位符 7">
             <a:extLst>
               <a:ext uri="{FF2B5EF4-FFF2-40B4-BE49-F238E27FC236}">
-                <a16:creationId xmlns:a16="http://schemas.microsoft.com/office/drawing/2014/main" id="{8E7CA80A-A6F9-02A5-840C-BA68C47A7678}"/>
+                <a16:creationId xmlns:a16="http://schemas.microsoft.com/office/drawing/2014/main" id="{51D9DC33-C05A-7DED-FAC6-5E78AA8A9EAF}"/>
               </a:ext>
             </a:extLst>
           </p:cNvPr>
@@ -1846,7 +1846,7 @@
           <p:cNvPr id="9" name="灯片编号占位符 8">
             <a:extLst>
               <a:ext uri="{FF2B5EF4-FFF2-40B4-BE49-F238E27FC236}">
-                <a16:creationId xmlns:a16="http://schemas.microsoft.com/office/drawing/2014/main" id="{FFFD286A-B22D-71CA-9B32-7C2F332C1F54}"/>
+                <a16:creationId xmlns:a16="http://schemas.microsoft.com/office/drawing/2014/main" id="{F9650D20-0077-0706-FDFF-B8CC5532A2E8}"/>
               </a:ext>
             </a:extLst>
           </p:cNvPr>
@@ -1862,7 +1862,7 @@
           <a:bodyPr/>
           <a:lstStyle/>
           <a:p>
-            <a:fld id="{977E8EB7-4CA3-4940-A39C-EAF12CAF1422}" type="slidenum">
+            <a:fld id="{D2B6E5C0-A590-499F-AD29-6FCBC0003BD4}" type="slidenum">
               <a:rPr lang="zh-CN" altLang="en-US" smtClean="0"/>
               <a:t>‹#›</a:t>
             </a:fld>
@@ -1873,7 +1873,7 @@
     </p:spTree>
     <p:extLst>
       <p:ext uri="{BB962C8B-B14F-4D97-AF65-F5344CB8AC3E}">
-        <p14:creationId xmlns:p14="http://schemas.microsoft.com/office/powerpoint/2010/main" val="635675199"/>
+        <p14:creationId xmlns:p14="http://schemas.microsoft.com/office/powerpoint/2010/main" val="2114698933"/>
       </p:ext>
     </p:extLst>
   </p:cSld>
@@ -1905,7 +1905,7 @@
           <p:cNvPr id="2" name="标题 1">
             <a:extLst>
               <a:ext uri="{FF2B5EF4-FFF2-40B4-BE49-F238E27FC236}">
-                <a16:creationId xmlns:a16="http://schemas.microsoft.com/office/drawing/2014/main" id="{AE279913-B77F-0096-59C3-DB268A20DD64}"/>
+                <a16:creationId xmlns:a16="http://schemas.microsoft.com/office/drawing/2014/main" id="{5DABF071-3588-30CB-0FF6-294F8BF0E179}"/>
               </a:ext>
             </a:extLst>
           </p:cNvPr>
@@ -1933,7 +1933,7 @@
           <p:cNvPr id="3" name="日期占位符 2">
             <a:extLst>
               <a:ext uri="{FF2B5EF4-FFF2-40B4-BE49-F238E27FC236}">
-                <a16:creationId xmlns:a16="http://schemas.microsoft.com/office/drawing/2014/main" id="{60E25A8B-9A12-E06E-86E2-ACC891DA952B}"/>
+                <a16:creationId xmlns:a16="http://schemas.microsoft.com/office/drawing/2014/main" id="{5368CA15-F71F-1DCE-EC9C-B9CE6177544C}"/>
               </a:ext>
             </a:extLst>
           </p:cNvPr>
@@ -1949,7 +1949,7 @@
           <a:bodyPr/>
           <a:lstStyle/>
           <a:p>
-            <a:fld id="{5092C147-B01D-4D48-ABF9-B3F569850C14}" type="datetimeFigureOut">
+            <a:fld id="{CF9635BD-429D-4076-B2B8-91E08D7C828E}" type="datetimeFigureOut">
               <a:rPr lang="zh-CN" altLang="en-US" smtClean="0"/>
               <a:t>2024/3/10</a:t>
             </a:fld>
@@ -1962,7 +1962,7 @@
           <p:cNvPr id="4" name="页脚占位符 3">
             <a:extLst>
               <a:ext uri="{FF2B5EF4-FFF2-40B4-BE49-F238E27FC236}">
-                <a16:creationId xmlns:a16="http://schemas.microsoft.com/office/drawing/2014/main" id="{255CF716-A895-B085-E40F-169E260DFA58}"/>
+                <a16:creationId xmlns:a16="http://schemas.microsoft.com/office/drawing/2014/main" id="{FD7CA107-AFED-091B-AAE0-784C078D3E47}"/>
               </a:ext>
             </a:extLst>
           </p:cNvPr>
@@ -1987,7 +1987,7 @@
           <p:cNvPr id="5" name="灯片编号占位符 4">
             <a:extLst>
               <a:ext uri="{FF2B5EF4-FFF2-40B4-BE49-F238E27FC236}">
-                <a16:creationId xmlns:a16="http://schemas.microsoft.com/office/drawing/2014/main" id="{3C2896A9-A76E-4AEC-2926-64805DD606F0}"/>
+                <a16:creationId xmlns:a16="http://schemas.microsoft.com/office/drawing/2014/main" id="{E8BBF0A8-D074-98CB-C37F-F0258D0B88B3}"/>
               </a:ext>
             </a:extLst>
           </p:cNvPr>
@@ -2003,7 +2003,7 @@
           <a:bodyPr/>
           <a:lstStyle/>
           <a:p>
-            <a:fld id="{977E8EB7-4CA3-4940-A39C-EAF12CAF1422}" type="slidenum">
+            <a:fld id="{D2B6E5C0-A590-499F-AD29-6FCBC0003BD4}" type="slidenum">
               <a:rPr lang="zh-CN" altLang="en-US" smtClean="0"/>
               <a:t>‹#›</a:t>
             </a:fld>
@@ -2014,7 +2014,7 @@
     </p:spTree>
     <p:extLst>
       <p:ext uri="{BB962C8B-B14F-4D97-AF65-F5344CB8AC3E}">
-        <p14:creationId xmlns:p14="http://schemas.microsoft.com/office/powerpoint/2010/main" val="2324455091"/>
+        <p14:creationId xmlns:p14="http://schemas.microsoft.com/office/powerpoint/2010/main" val="3969675243"/>
       </p:ext>
     </p:extLst>
   </p:cSld>
@@ -2046,7 +2046,7 @@
           <p:cNvPr id="2" name="日期占位符 1">
             <a:extLst>
               <a:ext uri="{FF2B5EF4-FFF2-40B4-BE49-F238E27FC236}">
-                <a16:creationId xmlns:a16="http://schemas.microsoft.com/office/drawing/2014/main" id="{F3DC1295-6EA6-FA81-678C-5CDD0A9B64B6}"/>
+                <a16:creationId xmlns:a16="http://schemas.microsoft.com/office/drawing/2014/main" id="{45A75505-32D9-A6D9-E49C-3CDC87E6FAEB}"/>
               </a:ext>
             </a:extLst>
           </p:cNvPr>
@@ -2062,7 +2062,7 @@
           <a:bodyPr/>
           <a:lstStyle/>
           <a:p>
-            <a:fld id="{5092C147-B01D-4D48-ABF9-B3F569850C14}" type="datetimeFigureOut">
+            <a:fld id="{CF9635BD-429D-4076-B2B8-91E08D7C828E}" type="datetimeFigureOut">
               <a:rPr lang="zh-CN" altLang="en-US" smtClean="0"/>
               <a:t>2024/3/10</a:t>
             </a:fld>
@@ -2075,7 +2075,7 @@
           <p:cNvPr id="3" name="页脚占位符 2">
             <a:extLst>
               <a:ext uri="{FF2B5EF4-FFF2-40B4-BE49-F238E27FC236}">
-                <a16:creationId xmlns:a16="http://schemas.microsoft.com/office/drawing/2014/main" id="{4FEB21E8-ACF9-5A37-002B-A981D07E0980}"/>
+                <a16:creationId xmlns:a16="http://schemas.microsoft.com/office/drawing/2014/main" id="{EB587261-34D3-3B7C-2C45-5A67257E2526}"/>
               </a:ext>
             </a:extLst>
           </p:cNvPr>
@@ -2100,7 +2100,7 @@
           <p:cNvPr id="4" name="灯片编号占位符 3">
             <a:extLst>
               <a:ext uri="{FF2B5EF4-FFF2-40B4-BE49-F238E27FC236}">
-                <a16:creationId xmlns:a16="http://schemas.microsoft.com/office/drawing/2014/main" id="{B4F5E32D-234B-7B35-66F0-A3734543033D}"/>
+                <a16:creationId xmlns:a16="http://schemas.microsoft.com/office/drawing/2014/main" id="{24772898-ECCA-A255-B441-F18E3131E40C}"/>
               </a:ext>
             </a:extLst>
           </p:cNvPr>
@@ -2116,7 +2116,7 @@
           <a:bodyPr/>
           <a:lstStyle/>
           <a:p>
-            <a:fld id="{977E8EB7-4CA3-4940-A39C-EAF12CAF1422}" type="slidenum">
+            <a:fld id="{D2B6E5C0-A590-499F-AD29-6FCBC0003BD4}" type="slidenum">
               <a:rPr lang="zh-CN" altLang="en-US" smtClean="0"/>
               <a:t>‹#›</a:t>
             </a:fld>
@@ -2127,7 +2127,7 @@
     </p:spTree>
     <p:extLst>
       <p:ext uri="{BB962C8B-B14F-4D97-AF65-F5344CB8AC3E}">
-        <p14:creationId xmlns:p14="http://schemas.microsoft.com/office/powerpoint/2010/main" val="2521056462"/>
+        <p14:creationId xmlns:p14="http://schemas.microsoft.com/office/powerpoint/2010/main" val="1920394860"/>
       </p:ext>
     </p:extLst>
   </p:cSld>
@@ -2159,7 +2159,7 @@
           <p:cNvPr id="2" name="标题 1">
             <a:extLst>
               <a:ext uri="{FF2B5EF4-FFF2-40B4-BE49-F238E27FC236}">
-                <a16:creationId xmlns:a16="http://schemas.microsoft.com/office/drawing/2014/main" id="{CF785472-EEEF-6F1E-98DF-D1724724126B}"/>
+                <a16:creationId xmlns:a16="http://schemas.microsoft.com/office/drawing/2014/main" id="{3FE52F7A-066D-AA2E-A5A8-9A1ADFD194DE}"/>
               </a:ext>
             </a:extLst>
           </p:cNvPr>
@@ -2196,7 +2196,7 @@
           <p:cNvPr id="3" name="内容占位符 2">
             <a:extLst>
               <a:ext uri="{FF2B5EF4-FFF2-40B4-BE49-F238E27FC236}">
-                <a16:creationId xmlns:a16="http://schemas.microsoft.com/office/drawing/2014/main" id="{6DB6A443-0FC4-B063-98B1-8F159961988D}"/>
+                <a16:creationId xmlns:a16="http://schemas.microsoft.com/office/drawing/2014/main" id="{9BF0E66E-EDAF-48F5-3299-5B50E2119088}"/>
               </a:ext>
             </a:extLst>
           </p:cNvPr>
@@ -2286,7 +2286,7 @@
           <p:cNvPr id="4" name="文本占位符 3">
             <a:extLst>
               <a:ext uri="{FF2B5EF4-FFF2-40B4-BE49-F238E27FC236}">
-                <a16:creationId xmlns:a16="http://schemas.microsoft.com/office/drawing/2014/main" id="{F82B8C9B-D3BE-62DC-0D4B-D5E9746DA0CB}"/>
+                <a16:creationId xmlns:a16="http://schemas.microsoft.com/office/drawing/2014/main" id="{A5E911C0-2BAB-387E-A2E1-CDAC771BB4DC}"/>
               </a:ext>
             </a:extLst>
           </p:cNvPr>
@@ -2357,7 +2357,7 @@
           <p:cNvPr id="5" name="日期占位符 4">
             <a:extLst>
               <a:ext uri="{FF2B5EF4-FFF2-40B4-BE49-F238E27FC236}">
-                <a16:creationId xmlns:a16="http://schemas.microsoft.com/office/drawing/2014/main" id="{6E3E858B-2F59-42BA-23D2-B4F760526D24}"/>
+                <a16:creationId xmlns:a16="http://schemas.microsoft.com/office/drawing/2014/main" id="{9DB13022-8AAF-38DE-878D-1B2E923CA530}"/>
               </a:ext>
             </a:extLst>
           </p:cNvPr>
@@ -2373,7 +2373,7 @@
           <a:bodyPr/>
           <a:lstStyle/>
           <a:p>
-            <a:fld id="{5092C147-B01D-4D48-ABF9-B3F569850C14}" type="datetimeFigureOut">
+            <a:fld id="{CF9635BD-429D-4076-B2B8-91E08D7C828E}" type="datetimeFigureOut">
               <a:rPr lang="zh-CN" altLang="en-US" smtClean="0"/>
               <a:t>2024/3/10</a:t>
             </a:fld>
@@ -2386,7 +2386,7 @@
           <p:cNvPr id="6" name="页脚占位符 5">
             <a:extLst>
               <a:ext uri="{FF2B5EF4-FFF2-40B4-BE49-F238E27FC236}">
-                <a16:creationId xmlns:a16="http://schemas.microsoft.com/office/drawing/2014/main" id="{0C653056-F9F6-34FD-0974-89EF785973E5}"/>
+                <a16:creationId xmlns:a16="http://schemas.microsoft.com/office/drawing/2014/main" id="{604204A0-F243-5D45-F147-876C018F9B77}"/>
               </a:ext>
             </a:extLst>
           </p:cNvPr>
@@ -2411,7 +2411,7 @@
           <p:cNvPr id="7" name="灯片编号占位符 6">
             <a:extLst>
               <a:ext uri="{FF2B5EF4-FFF2-40B4-BE49-F238E27FC236}">
-                <a16:creationId xmlns:a16="http://schemas.microsoft.com/office/drawing/2014/main" id="{C9032F3E-5289-8BD8-3F66-0EB459A42649}"/>
+                <a16:creationId xmlns:a16="http://schemas.microsoft.com/office/drawing/2014/main" id="{F2DD5DC9-55A6-36BA-3EBC-5DF56EA553C0}"/>
               </a:ext>
             </a:extLst>
           </p:cNvPr>
@@ -2427,7 +2427,7 @@
           <a:bodyPr/>
           <a:lstStyle/>
           <a:p>
-            <a:fld id="{977E8EB7-4CA3-4940-A39C-EAF12CAF1422}" type="slidenum">
+            <a:fld id="{D2B6E5C0-A590-499F-AD29-6FCBC0003BD4}" type="slidenum">
               <a:rPr lang="zh-CN" altLang="en-US" smtClean="0"/>
               <a:t>‹#›</a:t>
             </a:fld>
@@ -2438,7 +2438,7 @@
     </p:spTree>
     <p:extLst>
       <p:ext uri="{BB962C8B-B14F-4D97-AF65-F5344CB8AC3E}">
-        <p14:creationId xmlns:p14="http://schemas.microsoft.com/office/powerpoint/2010/main" val="347396553"/>
+        <p14:creationId xmlns:p14="http://schemas.microsoft.com/office/powerpoint/2010/main" val="2949138388"/>
       </p:ext>
     </p:extLst>
   </p:cSld>
@@ -2470,7 +2470,7 @@
           <p:cNvPr id="2" name="标题 1">
             <a:extLst>
               <a:ext uri="{FF2B5EF4-FFF2-40B4-BE49-F238E27FC236}">
-                <a16:creationId xmlns:a16="http://schemas.microsoft.com/office/drawing/2014/main" id="{E587AFA6-A8FE-E6B4-BA31-EB35A905B0F9}"/>
+                <a16:creationId xmlns:a16="http://schemas.microsoft.com/office/drawing/2014/main" id="{C64DCE31-70E2-3941-2004-DC2F39424304}"/>
               </a:ext>
             </a:extLst>
           </p:cNvPr>
@@ -2507,7 +2507,7 @@
           <p:cNvPr id="3" name="图片占位符 2">
             <a:extLst>
               <a:ext uri="{FF2B5EF4-FFF2-40B4-BE49-F238E27FC236}">
-                <a16:creationId xmlns:a16="http://schemas.microsoft.com/office/drawing/2014/main" id="{AF675E56-751E-C822-AB07-C6FE980D18F2}"/>
+                <a16:creationId xmlns:a16="http://schemas.microsoft.com/office/drawing/2014/main" id="{B431B41B-837F-E150-D7B5-CAA37E499062}"/>
               </a:ext>
             </a:extLst>
           </p:cNvPr>
@@ -2574,7 +2574,7 @@
           <p:cNvPr id="4" name="文本占位符 3">
             <a:extLst>
               <a:ext uri="{FF2B5EF4-FFF2-40B4-BE49-F238E27FC236}">
-                <a16:creationId xmlns:a16="http://schemas.microsoft.com/office/drawing/2014/main" id="{F99AE398-DB02-E6DC-E462-747CDBCA3941}"/>
+                <a16:creationId xmlns:a16="http://schemas.microsoft.com/office/drawing/2014/main" id="{98215649-DD53-D79B-1C8F-C3A226491B2E}"/>
               </a:ext>
             </a:extLst>
           </p:cNvPr>
@@ -2645,7 +2645,7 @@
           <p:cNvPr id="5" name="日期占位符 4">
             <a:extLst>
               <a:ext uri="{FF2B5EF4-FFF2-40B4-BE49-F238E27FC236}">
-                <a16:creationId xmlns:a16="http://schemas.microsoft.com/office/drawing/2014/main" id="{746B4F64-4992-2B17-449F-819759ED06E8}"/>
+                <a16:creationId xmlns:a16="http://schemas.microsoft.com/office/drawing/2014/main" id="{B1FFB6EE-4983-BD4C-01E3-300EF4231663}"/>
               </a:ext>
             </a:extLst>
           </p:cNvPr>
@@ -2661,7 +2661,7 @@
           <a:bodyPr/>
           <a:lstStyle/>
           <a:p>
-            <a:fld id="{5092C147-B01D-4D48-ABF9-B3F569850C14}" type="datetimeFigureOut">
+            <a:fld id="{CF9635BD-429D-4076-B2B8-91E08D7C828E}" type="datetimeFigureOut">
               <a:rPr lang="zh-CN" altLang="en-US" smtClean="0"/>
               <a:t>2024/3/10</a:t>
             </a:fld>
@@ -2674,7 +2674,7 @@
           <p:cNvPr id="6" name="页脚占位符 5">
             <a:extLst>
               <a:ext uri="{FF2B5EF4-FFF2-40B4-BE49-F238E27FC236}">
-                <a16:creationId xmlns:a16="http://schemas.microsoft.com/office/drawing/2014/main" id="{5B915EEB-F805-E5E2-22D5-3BB21323E13C}"/>
+                <a16:creationId xmlns:a16="http://schemas.microsoft.com/office/drawing/2014/main" id="{BA3325AC-0550-72B0-4F98-9389F0C0F97D}"/>
               </a:ext>
             </a:extLst>
           </p:cNvPr>
@@ -2699,7 +2699,7 @@
           <p:cNvPr id="7" name="灯片编号占位符 6">
             <a:extLst>
               <a:ext uri="{FF2B5EF4-FFF2-40B4-BE49-F238E27FC236}">
-                <a16:creationId xmlns:a16="http://schemas.microsoft.com/office/drawing/2014/main" id="{611713F3-969E-C7A3-F13C-2B56CC574E96}"/>
+                <a16:creationId xmlns:a16="http://schemas.microsoft.com/office/drawing/2014/main" id="{3FDA623D-E01A-33DB-12E9-07B52DA2BD27}"/>
               </a:ext>
             </a:extLst>
           </p:cNvPr>
@@ -2715,7 +2715,7 @@
           <a:bodyPr/>
           <a:lstStyle/>
           <a:p>
-            <a:fld id="{977E8EB7-4CA3-4940-A39C-EAF12CAF1422}" type="slidenum">
+            <a:fld id="{D2B6E5C0-A590-499F-AD29-6FCBC0003BD4}" type="slidenum">
               <a:rPr lang="zh-CN" altLang="en-US" smtClean="0"/>
               <a:t>‹#›</a:t>
             </a:fld>
@@ -2726,7 +2726,7 @@
     </p:spTree>
     <p:extLst>
       <p:ext uri="{BB962C8B-B14F-4D97-AF65-F5344CB8AC3E}">
-        <p14:creationId xmlns:p14="http://schemas.microsoft.com/office/powerpoint/2010/main" val="3725747630"/>
+        <p14:creationId xmlns:p14="http://schemas.microsoft.com/office/powerpoint/2010/main" val="205640601"/>
       </p:ext>
     </p:extLst>
   </p:cSld>
@@ -2763,7 +2763,7 @@
           <p:cNvPr id="2" name="标题占位符 1">
             <a:extLst>
               <a:ext uri="{FF2B5EF4-FFF2-40B4-BE49-F238E27FC236}">
-                <a16:creationId xmlns:a16="http://schemas.microsoft.com/office/drawing/2014/main" id="{5DCFD35F-9558-2314-D7F9-66FC0E32F65F}"/>
+                <a16:creationId xmlns:a16="http://schemas.microsoft.com/office/drawing/2014/main" id="{E45CF365-09B7-CBD0-D581-13C7EAD6E018}"/>
               </a:ext>
             </a:extLst>
           </p:cNvPr>
@@ -2801,7 +2801,7 @@
           <p:cNvPr id="3" name="文本占位符 2">
             <a:extLst>
               <a:ext uri="{FF2B5EF4-FFF2-40B4-BE49-F238E27FC236}">
-                <a16:creationId xmlns:a16="http://schemas.microsoft.com/office/drawing/2014/main" id="{6F509E63-5F42-F701-0C3C-88963CD6F894}"/>
+                <a16:creationId xmlns:a16="http://schemas.microsoft.com/office/drawing/2014/main" id="{24DE1639-31E6-251F-27EE-E8DF748C09AC}"/>
               </a:ext>
             </a:extLst>
           </p:cNvPr>
@@ -2868,7 +2868,7 @@
           <p:cNvPr id="4" name="日期占位符 3">
             <a:extLst>
               <a:ext uri="{FF2B5EF4-FFF2-40B4-BE49-F238E27FC236}">
-                <a16:creationId xmlns:a16="http://schemas.microsoft.com/office/drawing/2014/main" id="{92064879-6686-896C-570D-7F4866D43C31}"/>
+                <a16:creationId xmlns:a16="http://schemas.microsoft.com/office/drawing/2014/main" id="{DD288855-6B2E-3522-2FB4-518C322552DB}"/>
               </a:ext>
             </a:extLst>
           </p:cNvPr>
@@ -2902,7 +2902,7 @@
             </a:lvl1pPr>
           </a:lstStyle>
           <a:p>
-            <a:fld id="{5092C147-B01D-4D48-ABF9-B3F569850C14}" type="datetimeFigureOut">
+            <a:fld id="{CF9635BD-429D-4076-B2B8-91E08D7C828E}" type="datetimeFigureOut">
               <a:rPr lang="zh-CN" altLang="en-US" smtClean="0"/>
               <a:t>2024/3/10</a:t>
             </a:fld>
@@ -2915,7 +2915,7 @@
           <p:cNvPr id="5" name="页脚占位符 4">
             <a:extLst>
               <a:ext uri="{FF2B5EF4-FFF2-40B4-BE49-F238E27FC236}">
-                <a16:creationId xmlns:a16="http://schemas.microsoft.com/office/drawing/2014/main" id="{522A5FFC-8AB5-3455-5A11-BF2C491AFCF3}"/>
+                <a16:creationId xmlns:a16="http://schemas.microsoft.com/office/drawing/2014/main" id="{CAAFFA66-4BEC-C216-2C96-6C57DCD55B50}"/>
               </a:ext>
             </a:extLst>
           </p:cNvPr>
@@ -2958,7 +2958,7 @@
           <p:cNvPr id="6" name="灯片编号占位符 5">
             <a:extLst>
               <a:ext uri="{FF2B5EF4-FFF2-40B4-BE49-F238E27FC236}">
-                <a16:creationId xmlns:a16="http://schemas.microsoft.com/office/drawing/2014/main" id="{0065B948-AFCA-9C93-F877-6C92EEBC4F5D}"/>
+                <a16:creationId xmlns:a16="http://schemas.microsoft.com/office/drawing/2014/main" id="{167A3006-7472-AFE8-0F6C-6352E3704D5C}"/>
               </a:ext>
             </a:extLst>
           </p:cNvPr>
@@ -2992,7 +2992,7 @@
             </a:lvl1pPr>
           </a:lstStyle>
           <a:p>
-            <a:fld id="{977E8EB7-4CA3-4940-A39C-EAF12CAF1422}" type="slidenum">
+            <a:fld id="{D2B6E5C0-A590-499F-AD29-6FCBC0003BD4}" type="slidenum">
               <a:rPr lang="zh-CN" altLang="en-US" smtClean="0"/>
               <a:t>‹#›</a:t>
             </a:fld>
@@ -3003,7 +3003,7 @@
     </p:spTree>
     <p:extLst>
       <p:ext uri="{BB962C8B-B14F-4D97-AF65-F5344CB8AC3E}">
-        <p14:creationId xmlns:p14="http://schemas.microsoft.com/office/powerpoint/2010/main" val="571118263"/>
+        <p14:creationId xmlns:p14="http://schemas.microsoft.com/office/powerpoint/2010/main" val="923195248"/>
       </p:ext>
     </p:extLst>
   </p:cSld>
@@ -3323,7 +3323,7 @@
       </p:grpSpPr>
       <p:pic>
         <p:nvPicPr>
-          <p:cNvPr id="1198082" name="Picture 2" descr="1169"/>
+          <p:cNvPr id="1199106" name="Picture 2" descr="1170"/>
           <p:cNvPicPr>
             <a:picLocks noChangeAspect="1" noChangeArrowheads="1"/>
           </p:cNvPicPr>
@@ -3344,8 +3344,8 @@
         </p:blipFill>
         <p:spPr bwMode="auto">
           <a:xfrm>
-            <a:off x="1543050" y="14288"/>
-            <a:ext cx="9124950" cy="6843712"/>
+            <a:off x="1543050" y="1"/>
+            <a:ext cx="9124950" cy="6843713"/>
           </a:xfrm>
           <a:prstGeom prst="rect">
             <a:avLst/>
@@ -3377,7 +3377,7 @@
       </p:pic>
       <p:pic>
         <p:nvPicPr>
-          <p:cNvPr id="1199107" name="Picture 3" descr="1169-2"/>
+          <p:cNvPr id="1200131" name="Picture 3" descr="1170-2"/>
           <p:cNvPicPr>
             <a:picLocks noChangeAspect="1" noChangeArrowheads="1"/>
           </p:cNvPicPr>
@@ -3478,7 +3478,7 @@
                                           </p:stCondLst>
                                         </p:cTn>
                                         <p:tgtEl>
-                                          <p:spTgt spid="1199107"/>
+                                          <p:spTgt spid="1200131"/>
                                         </p:tgtEl>
                                         <p:attrNameLst>
                                           <p:attrName>style.visibility</p:attrName>
@@ -3492,7 +3492,7 @@
                                       <p:cBhvr>
                                         <p:cTn id="7" dur="500"/>
                                         <p:tgtEl>
-                                          <p:spTgt spid="1199107"/>
+                                          <p:spTgt spid="1200131"/>
                                         </p:tgtEl>
                                       </p:cBhvr>
                                     </p:animEffect>
